--- a/Demos/Rbased/Presentations/06a.Activity-Ecological NIche Modeling.pptx
+++ b/Demos/Rbased/Presentations/06a.Activity-Ecological NIche Modeling.pptx
@@ -223,7 +223,7 @@
           <a:p>
             <a:fld id="{4770ED0A-8BFD-D54B-9A28-EFBE87F016A4}" type="datetimeFigureOut">
               <a:rPr lang="en-US" smtClean="0"/>
-              <a:t>7/12/23</a:t>
+              <a:t>7/18/23</a:t>
             </a:fld>
             <a:endParaRPr lang="en-US"/>
           </a:p>
@@ -854,6 +854,98 @@
           <a:p>
             <a:r>
               <a:rPr lang="en-US" dirty="0"/>
+              <a:t>Land use = </a:t>
+            </a:r>
+            <a:r>
+              <a:rPr lang="en-US"/>
+              <a:t>good for </a:t>
+            </a:r>
+            <a:endParaRPr lang="en-US" dirty="0"/>
+          </a:p>
+        </p:txBody>
+      </p:sp>
+      <p:sp>
+        <p:nvSpPr>
+          <p:cNvPr id="4" name="Slide Number Placeholder 3"/>
+          <p:cNvSpPr>
+            <a:spLocks noGrp="1"/>
+          </p:cNvSpPr>
+          <p:nvPr>
+            <p:ph type="sldNum" sz="quarter" idx="5"/>
+          </p:nvPr>
+        </p:nvSpPr>
+        <p:spPr/>
+        <p:txBody>
+          <a:bodyPr/>
+          <a:lstStyle/>
+          <a:p>
+            <a:fld id="{6AB718C1-BCA2-CC44-A0A9-96C5595E6FCB}" type="slidenum">
+              <a:rPr lang="en-US" smtClean="0"/>
+              <a:t>7</a:t>
+            </a:fld>
+            <a:endParaRPr lang="en-US"/>
+          </a:p>
+        </p:txBody>
+      </p:sp>
+    </p:spTree>
+    <p:extLst>
+      <p:ext uri="{BB962C8B-B14F-4D97-AF65-F5344CB8AC3E}">
+        <p14:creationId xmlns:p14="http://schemas.microsoft.com/office/powerpoint/2010/main" val="940583561"/>
+      </p:ext>
+    </p:extLst>
+  </p:cSld>
+  <p:clrMapOvr>
+    <a:masterClrMapping/>
+  </p:clrMapOvr>
+</p:notes>
+</file>
+
+<file path=ppt/notesSlides/notesSlide5.xml><?xml version="1.0" encoding="utf-8"?>
+<p:notes xmlns:a="http://schemas.openxmlformats.org/drawingml/2006/main" xmlns:r="http://schemas.openxmlformats.org/officeDocument/2006/relationships" xmlns:p="http://schemas.openxmlformats.org/presentationml/2006/main">
+  <p:cSld>
+    <p:spTree>
+      <p:nvGrpSpPr>
+        <p:cNvPr id="1" name=""/>
+        <p:cNvGrpSpPr/>
+        <p:nvPr/>
+      </p:nvGrpSpPr>
+      <p:grpSpPr>
+        <a:xfrm>
+          <a:off x="0" y="0"/>
+          <a:ext cx="0" cy="0"/>
+          <a:chOff x="0" y="0"/>
+          <a:chExt cx="0" cy="0"/>
+        </a:xfrm>
+      </p:grpSpPr>
+      <p:sp>
+        <p:nvSpPr>
+          <p:cNvPr id="2" name="Slide Image Placeholder 1"/>
+          <p:cNvSpPr>
+            <a:spLocks noGrp="1" noRot="1" noChangeAspect="1"/>
+          </p:cNvSpPr>
+          <p:nvPr>
+            <p:ph type="sldImg"/>
+          </p:nvPr>
+        </p:nvSpPr>
+        <p:spPr/>
+      </p:sp>
+      <p:sp>
+        <p:nvSpPr>
+          <p:cNvPr id="3" name="Notes Placeholder 2"/>
+          <p:cNvSpPr>
+            <a:spLocks noGrp="1"/>
+          </p:cNvSpPr>
+          <p:nvPr>
+            <p:ph type="body" idx="1"/>
+          </p:nvPr>
+        </p:nvSpPr>
+        <p:spPr/>
+        <p:txBody>
+          <a:bodyPr/>
+          <a:lstStyle/>
+          <a:p>
+            <a:r>
+              <a:rPr lang="en-US" dirty="0"/>
               <a:t>Feature class is the method used to transform the original  predictor value</a:t>
             </a:r>
           </a:p>
@@ -1149,7 +1241,7 @@
           <a:p>
             <a:fld id="{B92383D2-16C1-A947-8B3E-9A1423855515}" type="datetimeFigureOut">
               <a:rPr lang="en-US" smtClean="0"/>
-              <a:t>7/12/23</a:t>
+              <a:t>7/18/23</a:t>
             </a:fld>
             <a:endParaRPr lang="en-US"/>
           </a:p>
@@ -1317,7 +1409,7 @@
           <a:p>
             <a:fld id="{B92383D2-16C1-A947-8B3E-9A1423855515}" type="datetimeFigureOut">
               <a:rPr lang="en-US" smtClean="0"/>
-              <a:t>7/12/23</a:t>
+              <a:t>7/18/23</a:t>
             </a:fld>
             <a:endParaRPr lang="en-US"/>
           </a:p>
@@ -1495,7 +1587,7 @@
           <a:p>
             <a:fld id="{B92383D2-16C1-A947-8B3E-9A1423855515}" type="datetimeFigureOut">
               <a:rPr lang="en-US" smtClean="0"/>
-              <a:t>7/12/23</a:t>
+              <a:t>7/18/23</a:t>
             </a:fld>
             <a:endParaRPr lang="en-US"/>
           </a:p>
@@ -1663,7 +1755,7 @@
           <a:p>
             <a:fld id="{B92383D2-16C1-A947-8B3E-9A1423855515}" type="datetimeFigureOut">
               <a:rPr lang="en-US" smtClean="0"/>
-              <a:t>7/12/23</a:t>
+              <a:t>7/18/23</a:t>
             </a:fld>
             <a:endParaRPr lang="en-US"/>
           </a:p>
@@ -1908,7 +2000,7 @@
           <a:p>
             <a:fld id="{B92383D2-16C1-A947-8B3E-9A1423855515}" type="datetimeFigureOut">
               <a:rPr lang="en-US" smtClean="0"/>
-              <a:t>7/12/23</a:t>
+              <a:t>7/18/23</a:t>
             </a:fld>
             <a:endParaRPr lang="en-US"/>
           </a:p>
@@ -2193,7 +2285,7 @@
           <a:p>
             <a:fld id="{B92383D2-16C1-A947-8B3E-9A1423855515}" type="datetimeFigureOut">
               <a:rPr lang="en-US" smtClean="0"/>
-              <a:t>7/12/23</a:t>
+              <a:t>7/18/23</a:t>
             </a:fld>
             <a:endParaRPr lang="en-US"/>
           </a:p>
@@ -2612,7 +2704,7 @@
           <a:p>
             <a:fld id="{B92383D2-16C1-A947-8B3E-9A1423855515}" type="datetimeFigureOut">
               <a:rPr lang="en-US" smtClean="0"/>
-              <a:t>7/12/23</a:t>
+              <a:t>7/18/23</a:t>
             </a:fld>
             <a:endParaRPr lang="en-US"/>
           </a:p>
@@ -2729,7 +2821,7 @@
           <a:p>
             <a:fld id="{B92383D2-16C1-A947-8B3E-9A1423855515}" type="datetimeFigureOut">
               <a:rPr lang="en-US" smtClean="0"/>
-              <a:t>7/12/23</a:t>
+              <a:t>7/18/23</a:t>
             </a:fld>
             <a:endParaRPr lang="en-US"/>
           </a:p>
@@ -2824,7 +2916,7 @@
           <a:p>
             <a:fld id="{B92383D2-16C1-A947-8B3E-9A1423855515}" type="datetimeFigureOut">
               <a:rPr lang="en-US" smtClean="0"/>
-              <a:t>7/12/23</a:t>
+              <a:t>7/18/23</a:t>
             </a:fld>
             <a:endParaRPr lang="en-US"/>
           </a:p>
@@ -3099,7 +3191,7 @@
           <a:p>
             <a:fld id="{B92383D2-16C1-A947-8B3E-9A1423855515}" type="datetimeFigureOut">
               <a:rPr lang="en-US" smtClean="0"/>
-              <a:t>7/12/23</a:t>
+              <a:t>7/18/23</a:t>
             </a:fld>
             <a:endParaRPr lang="en-US"/>
           </a:p>
@@ -3351,7 +3443,7 @@
           <a:p>
             <a:fld id="{B92383D2-16C1-A947-8B3E-9A1423855515}" type="datetimeFigureOut">
               <a:rPr lang="en-US" smtClean="0"/>
-              <a:t>7/12/23</a:t>
+              <a:t>7/18/23</a:t>
             </a:fld>
             <a:endParaRPr lang="en-US"/>
           </a:p>
@@ -3562,7 +3654,7 @@
           <a:p>
             <a:fld id="{B92383D2-16C1-A947-8B3E-9A1423855515}" type="datetimeFigureOut">
               <a:rPr lang="en-US" smtClean="0"/>
-              <a:t>7/12/23</a:t>
+              <a:t>7/18/23</a:t>
             </a:fld>
             <a:endParaRPr lang="en-US"/>
           </a:p>
@@ -5326,7 +5418,7 @@
                 <a:latin typeface="Calibri" panose="020F0502020204030204" pitchFamily="34" charset="0"/>
                 <a:cs typeface="Calibri" panose="020F0502020204030204" pitchFamily="34" charset="0"/>
               </a:rPr>
-              <a:t>Partitions occurrence and background data into subsets for training and validation</a:t>
+              <a:t>Additional methods for partitioning occurrence and background data into subsets for training and validation.</a:t>
             </a:r>
           </a:p>
           <a:p>
@@ -5339,7 +5431,7 @@
                 <a:latin typeface="Calibri" panose="020F0502020204030204" pitchFamily="34" charset="0"/>
                 <a:cs typeface="Calibri" panose="020F0502020204030204" pitchFamily="34" charset="0"/>
               </a:rPr>
-              <a:t>Builds models with different algorithmic settings and evaluates each model</a:t>
+              <a:t>Builds models with different algorithmic settings and evaluates each model.</a:t>
             </a:r>
           </a:p>
         </p:txBody>
@@ -5545,7 +5637,7 @@
         <p:spPr>
           <a:xfrm>
             <a:off x="395416" y="1297460"/>
-            <a:ext cx="5090983" cy="3108543"/>
+            <a:ext cx="5090983" cy="3539430"/>
           </a:xfrm>
           <a:prstGeom prst="rect">
             <a:avLst/>
@@ -5582,8 +5674,39 @@
             </a:pPr>
             <a:r>
               <a:rPr lang="en-US" sz="2800" dirty="0"/>
-              <a:t>Cross validation = resampling to evaluate model’s performance with limited data </a:t>
-            </a:r>
+              <a:t>Previous options:</a:t>
+            </a:r>
+          </a:p>
+          <a:p>
+            <a:pPr marL="742950" lvl="1" indent="-285750">
+              <a:buFont typeface="Arial" panose="020B0604020202020204" pitchFamily="34" charset="0"/>
+              <a:buChar char="•"/>
+            </a:pPr>
+            <a:r>
+              <a:rPr lang="en-US" sz="2800" dirty="0"/>
+              <a:t>Bootstrap</a:t>
+            </a:r>
+          </a:p>
+          <a:p>
+            <a:pPr marL="742950" lvl="1" indent="-285750">
+              <a:buFont typeface="Arial" panose="020B0604020202020204" pitchFamily="34" charset="0"/>
+              <a:buChar char="•"/>
+            </a:pPr>
+            <a:r>
+              <a:rPr lang="en-US" sz="2800" dirty="0"/>
+              <a:t>Subsample</a:t>
+            </a:r>
+          </a:p>
+          <a:p>
+            <a:pPr marL="742950" lvl="1" indent="-285750">
+              <a:buFont typeface="Arial" panose="020B0604020202020204" pitchFamily="34" charset="0"/>
+              <a:buChar char="•"/>
+            </a:pPr>
+            <a:r>
+              <a:rPr lang="en-US" sz="2800" dirty="0" err="1"/>
+              <a:t>Crossvalidate</a:t>
+            </a:r>
+            <a:endParaRPr lang="en-US" sz="2800" dirty="0"/>
           </a:p>
         </p:txBody>
       </p:sp>
@@ -5678,8 +5801,8 @@
         </p:nvSpPr>
         <p:spPr>
           <a:xfrm>
-            <a:off x="457200" y="1605977"/>
-            <a:ext cx="3417848" cy="2246769"/>
+            <a:off x="457199" y="1605977"/>
+            <a:ext cx="4720281" cy="1815882"/>
           </a:xfrm>
           <a:prstGeom prst="rect">
             <a:avLst/>
@@ -5783,6 +5906,72 @@
               <a:rPr lang="en-US" dirty="0"/>
               <a:t>Slide modified from M. Mabry</a:t>
             </a:r>
+          </a:p>
+        </p:txBody>
+      </p:sp>
+      <p:pic>
+        <p:nvPicPr>
+          <p:cNvPr id="6" name="Picture 5" descr="A screenshot of a computer&#10;&#10;Description automatically generated">
+            <a:extLst>
+              <a:ext uri="{FF2B5EF4-FFF2-40B4-BE49-F238E27FC236}">
+                <a16:creationId xmlns:a16="http://schemas.microsoft.com/office/drawing/2014/main" id="{58D0386E-308B-EE2B-6F49-EDD23279FFDA}"/>
+              </a:ext>
+            </a:extLst>
+          </p:cNvPr>
+          <p:cNvPicPr>
+            <a:picLocks noChangeAspect="1"/>
+          </p:cNvPicPr>
+          <p:nvPr/>
+        </p:nvPicPr>
+        <p:blipFill>
+          <a:blip r:embed="rId3"/>
+          <a:stretch>
+            <a:fillRect/>
+          </a:stretch>
+        </p:blipFill>
+        <p:spPr>
+          <a:xfrm>
+            <a:off x="692925" y="3856744"/>
+            <a:ext cx="4394200" cy="2400300"/>
+          </a:xfrm>
+          <a:prstGeom prst="rect">
+            <a:avLst/>
+          </a:prstGeom>
+        </p:spPr>
+      </p:pic>
+      <p:sp>
+        <p:nvSpPr>
+          <p:cNvPr id="7" name="TextBox 6">
+            <a:extLst>
+              <a:ext uri="{FF2B5EF4-FFF2-40B4-BE49-F238E27FC236}">
+                <a16:creationId xmlns:a16="http://schemas.microsoft.com/office/drawing/2014/main" id="{AA0A2769-4082-37C5-8794-EA268BA49899}"/>
+              </a:ext>
+            </a:extLst>
+          </p:cNvPr>
+          <p:cNvSpPr txBox="1"/>
+          <p:nvPr/>
+        </p:nvSpPr>
+        <p:spPr>
+          <a:xfrm>
+            <a:off x="457199" y="3533349"/>
+            <a:ext cx="1485728" cy="523220"/>
+          </a:xfrm>
+          <a:prstGeom prst="rect">
+            <a:avLst/>
+          </a:prstGeom>
+          <a:noFill/>
+        </p:spPr>
+        <p:txBody>
+          <a:bodyPr wrap="none" rtlCol="0">
+            <a:spAutoFit/>
+          </a:bodyPr>
+          <a:lstStyle/>
+          <a:p>
+            <a:r>
+              <a:rPr lang="en-US" sz="2800" dirty="0" err="1"/>
+              <a:t>ENMeval</a:t>
+            </a:r>
+            <a:endParaRPr lang="en-US" sz="2800" dirty="0"/>
           </a:p>
         </p:txBody>
       </p:sp>
@@ -6156,7 +6345,7 @@
           <p:nvPr/>
         </p:nvPicPr>
         <p:blipFill>
-          <a:blip r:embed="rId2">
+          <a:blip r:embed="rId3">
             <a:extLst>
               <a:ext uri="{28A0092B-C50C-407E-A947-70E740481C1C}">
                 <a14:useLocalDpi xmlns:a14="http://schemas.microsoft.com/office/drawing/2010/main" val="0"/>
@@ -6688,13 +6877,8 @@
             </a:pPr>
             <a:r>
               <a:rPr lang="en-US" sz="4000" dirty="0"/>
-              <a:t>Used to define relative env. </a:t>
-            </a:r>
-            <a:r>
-              <a:rPr lang="en-US" sz="4000"/>
-              <a:t>suitability.</a:t>
-            </a:r>
-            <a:endParaRPr lang="en-US" sz="4000" dirty="0"/>
+              <a:t>Used to define relative env. suitability.</a:t>
+            </a:r>
           </a:p>
           <a:p>
             <a:pPr marL="285750" indent="-285750">
